--- a/docs/physics_manual/figures/rbend.pptx
+++ b/docs/physics_manual/figures/rbend.pptx
@@ -105,6 +105,11 @@
       </a:defRPr>
     </a:lvl9pPr>
   </p:defaultTextStyle>
+  <p:extLst>
+    <p:ext uri="{EFAFB233-063F-42B5-8137-9DF3F51BA10A}">
+      <p15:sldGuideLst xmlns:p15="http://schemas.microsoft.com/office/powerpoint/2012/main"/>
+    </p:ext>
+  </p:extLst>
 </p:presentation>
 </file>
 
@@ -257,7 +262,7 @@
           <a:p>
             <a:fld id="{00DEA8EF-A3CE-1D43-B4B4-5E0263BDACDF}" type="datetimeFigureOut">
               <a:rPr lang="en-CH" smtClean="0"/>
-              <a:t>29.11.2025</a:t>
+              <a:t>23.12.2025</a:t>
             </a:fld>
             <a:endParaRPr lang="en-CH"/>
           </a:p>
@@ -457,7 +462,7 @@
           <a:p>
             <a:fld id="{00DEA8EF-A3CE-1D43-B4B4-5E0263BDACDF}" type="datetimeFigureOut">
               <a:rPr lang="en-CH" smtClean="0"/>
-              <a:t>29.11.2025</a:t>
+              <a:t>23.12.2025</a:t>
             </a:fld>
             <a:endParaRPr lang="en-CH"/>
           </a:p>
@@ -667,7 +672,7 @@
           <a:p>
             <a:fld id="{00DEA8EF-A3CE-1D43-B4B4-5E0263BDACDF}" type="datetimeFigureOut">
               <a:rPr lang="en-CH" smtClean="0"/>
-              <a:t>29.11.2025</a:t>
+              <a:t>23.12.2025</a:t>
             </a:fld>
             <a:endParaRPr lang="en-CH"/>
           </a:p>
@@ -867,7 +872,7 @@
           <a:p>
             <a:fld id="{00DEA8EF-A3CE-1D43-B4B4-5E0263BDACDF}" type="datetimeFigureOut">
               <a:rPr lang="en-CH" smtClean="0"/>
-              <a:t>29.11.2025</a:t>
+              <a:t>23.12.2025</a:t>
             </a:fld>
             <a:endParaRPr lang="en-CH"/>
           </a:p>
@@ -1143,7 +1148,7 @@
           <a:p>
             <a:fld id="{00DEA8EF-A3CE-1D43-B4B4-5E0263BDACDF}" type="datetimeFigureOut">
               <a:rPr lang="en-CH" smtClean="0"/>
-              <a:t>29.11.2025</a:t>
+              <a:t>23.12.2025</a:t>
             </a:fld>
             <a:endParaRPr lang="en-CH"/>
           </a:p>
@@ -1411,7 +1416,7 @@
           <a:p>
             <a:fld id="{00DEA8EF-A3CE-1D43-B4B4-5E0263BDACDF}" type="datetimeFigureOut">
               <a:rPr lang="en-CH" smtClean="0"/>
-              <a:t>29.11.2025</a:t>
+              <a:t>23.12.2025</a:t>
             </a:fld>
             <a:endParaRPr lang="en-CH"/>
           </a:p>
@@ -1826,7 +1831,7 @@
           <a:p>
             <a:fld id="{00DEA8EF-A3CE-1D43-B4B4-5E0263BDACDF}" type="datetimeFigureOut">
               <a:rPr lang="en-CH" smtClean="0"/>
-              <a:t>29.11.2025</a:t>
+              <a:t>23.12.2025</a:t>
             </a:fld>
             <a:endParaRPr lang="en-CH"/>
           </a:p>
@@ -1968,7 +1973,7 @@
           <a:p>
             <a:fld id="{00DEA8EF-A3CE-1D43-B4B4-5E0263BDACDF}" type="datetimeFigureOut">
               <a:rPr lang="en-CH" smtClean="0"/>
-              <a:t>29.11.2025</a:t>
+              <a:t>23.12.2025</a:t>
             </a:fld>
             <a:endParaRPr lang="en-CH"/>
           </a:p>
@@ -2081,7 +2086,7 @@
           <a:p>
             <a:fld id="{00DEA8EF-A3CE-1D43-B4B4-5E0263BDACDF}" type="datetimeFigureOut">
               <a:rPr lang="en-CH" smtClean="0"/>
-              <a:t>29.11.2025</a:t>
+              <a:t>23.12.2025</a:t>
             </a:fld>
             <a:endParaRPr lang="en-CH"/>
           </a:p>
@@ -2394,7 +2399,7 @@
           <a:p>
             <a:fld id="{00DEA8EF-A3CE-1D43-B4B4-5E0263BDACDF}" type="datetimeFigureOut">
               <a:rPr lang="en-CH" smtClean="0"/>
-              <a:t>29.11.2025</a:t>
+              <a:t>23.12.2025</a:t>
             </a:fld>
             <a:endParaRPr lang="en-CH"/>
           </a:p>
@@ -2683,7 +2688,7 @@
           <a:p>
             <a:fld id="{00DEA8EF-A3CE-1D43-B4B4-5E0263BDACDF}" type="datetimeFigureOut">
               <a:rPr lang="en-CH" smtClean="0"/>
-              <a:t>29.11.2025</a:t>
+              <a:t>23.12.2025</a:t>
             </a:fld>
             <a:endParaRPr lang="en-CH"/>
           </a:p>
@@ -2926,7 +2931,7 @@
           <a:p>
             <a:fld id="{00DEA8EF-A3CE-1D43-B4B4-5E0263BDACDF}" type="datetimeFigureOut">
               <a:rPr lang="en-CH" smtClean="0"/>
-              <a:t>29.11.2025</a:t>
+              <a:t>23.12.2025</a:t>
             </a:fld>
             <a:endParaRPr lang="en-CH"/>
           </a:p>
@@ -4411,7 +4416,10 @@
               <a:t>a</a:t>
             </a:r>
             <a:r>
-              <a:rPr lang="en-CH" sz="2200" baseline="-25000" dirty="0"/>
+              <a:rPr lang="en-CH" sz="2200" baseline="-25000" dirty="0">
+                <a:latin typeface="Times New Roman" panose="02020603050405020304" pitchFamily="18" charset="0"/>
+                <a:cs typeface="Times New Roman" panose="02020603050405020304" pitchFamily="18" charset="0"/>
+              </a:rPr>
               <a:t>in</a:t>
             </a:r>
             <a:br>
@@ -4515,7 +4523,7 @@
         <p:spPr>
           <a:xfrm>
             <a:off x="8147629" y="1303134"/>
-            <a:ext cx="633507" cy="769441"/>
+            <a:ext cx="604653" cy="769441"/>
           </a:xfrm>
           <a:prstGeom prst="rect">
             <a:avLst/>
@@ -4536,7 +4544,8 @@
             </a:r>
             <a:r>
               <a:rPr lang="en-CH" sz="2200" baseline="-25000" dirty="0">
-                <a:latin typeface="Aptos" panose="020B0004020202020204" pitchFamily="34" charset="0"/>
+                <a:latin typeface="Times New Roman" panose="02020603050405020304" pitchFamily="18" charset="0"/>
+                <a:cs typeface="Times New Roman" panose="02020603050405020304" pitchFamily="18" charset="0"/>
               </a:rPr>
               <a:t>out</a:t>
             </a:r>
@@ -4642,7 +4651,7 @@
         <p:spPr>
           <a:xfrm>
             <a:off x="4305608" y="2668471"/>
-            <a:ext cx="458780" cy="769441"/>
+            <a:ext cx="473206" cy="769441"/>
           </a:xfrm>
           <a:prstGeom prst="rect">
             <a:avLst/>
@@ -4656,13 +4665,17 @@
           <a:lstStyle/>
           <a:p>
             <a:r>
-              <a:rPr lang="en-GB" sz="2200" dirty="0">
-                <a:latin typeface="Aptos" panose="020B0004020202020204" pitchFamily="34" charset="0"/>
+              <a:rPr lang="en-GB" sz="2200" i="1" dirty="0">
+                <a:latin typeface="Times New Roman" panose="02020603050405020304" pitchFamily="18" charset="0"/>
+                <a:cs typeface="Times New Roman" panose="02020603050405020304" pitchFamily="18" charset="0"/>
               </a:rPr>
               <a:t>x</a:t>
             </a:r>
             <a:r>
-              <a:rPr lang="en-CH" sz="2200" baseline="-25000" dirty="0"/>
+              <a:rPr lang="en-CH" sz="2200" baseline="-25000" dirty="0">
+                <a:latin typeface="Times New Roman" panose="02020603050405020304" pitchFamily="18" charset="0"/>
+                <a:cs typeface="Times New Roman" panose="02020603050405020304" pitchFamily="18" charset="0"/>
+              </a:rPr>
               <a:t>in</a:t>
             </a:r>
             <a:br>
@@ -4686,8 +4699,8 @@
         </p:nvSpPr>
         <p:spPr>
           <a:xfrm>
-            <a:off x="8412037" y="2207095"/>
-            <a:ext cx="576120" cy="769441"/>
+            <a:off x="8420308" y="2207095"/>
+            <a:ext cx="567849" cy="769441"/>
           </a:xfrm>
           <a:prstGeom prst="rect">
             <a:avLst/>
@@ -4702,13 +4715,17 @@
           <a:p>
             <a:pPr algn="r"/>
             <a:r>
-              <a:rPr lang="en-GB" sz="2200" dirty="0">
-                <a:latin typeface="Aptos" panose="020B0004020202020204" pitchFamily="34" charset="0"/>
+              <a:rPr lang="en-GB" sz="2200" i="1" dirty="0">
+                <a:latin typeface="Times New Roman" panose="02020603050405020304" pitchFamily="18" charset="0"/>
+                <a:cs typeface="Times New Roman" panose="02020603050405020304" pitchFamily="18" charset="0"/>
               </a:rPr>
               <a:t>x</a:t>
             </a:r>
             <a:r>
-              <a:rPr lang="en-CH" sz="2200" baseline="-25000" dirty="0"/>
+              <a:rPr lang="en-CH" sz="2200" baseline="-25000" dirty="0">
+                <a:latin typeface="Times New Roman" panose="02020603050405020304" pitchFamily="18" charset="0"/>
+                <a:cs typeface="Times New Roman" panose="02020603050405020304" pitchFamily="18" charset="0"/>
+              </a:rPr>
               <a:t>out</a:t>
             </a:r>
             <a:br>
@@ -4790,13 +4807,17 @@
           <a:p>
             <a:pPr algn="ctr"/>
             <a:r>
-              <a:rPr lang="en-GB" sz="2200" dirty="0">
-                <a:latin typeface="Aptos" panose="020B0004020202020204" pitchFamily="34" charset="0"/>
+              <a:rPr lang="en-GB" sz="2200" i="1" dirty="0">
+                <a:latin typeface="Times New Roman" panose="02020603050405020304" pitchFamily="18" charset="0"/>
+                <a:cs typeface="Times New Roman" panose="02020603050405020304" pitchFamily="18" charset="0"/>
               </a:rPr>
               <a:t>L</a:t>
             </a:r>
             <a:r>
-              <a:rPr lang="en-CH" sz="2200" baseline="-25000" dirty="0"/>
+              <a:rPr lang="en-CH" sz="2200" baseline="-25000" dirty="0">
+                <a:latin typeface="Times New Roman" panose="02020603050405020304" pitchFamily="18" charset="0"/>
+                <a:cs typeface="Times New Roman" panose="02020603050405020304" pitchFamily="18" charset="0"/>
+              </a:rPr>
               <a:t>straight</a:t>
             </a:r>
             <a:br>
@@ -4836,13 +4857,17 @@
           <a:p>
             <a:pPr algn="ctr"/>
             <a:r>
-              <a:rPr lang="en-GB" sz="2200" dirty="0">
-                <a:latin typeface="Aptos" panose="020B0004020202020204" pitchFamily="34" charset="0"/>
+              <a:rPr lang="en-GB" sz="2200" i="1" dirty="0">
+                <a:latin typeface="Times New Roman" panose="02020603050405020304" pitchFamily="18" charset="0"/>
+                <a:cs typeface="Times New Roman" panose="02020603050405020304" pitchFamily="18" charset="0"/>
               </a:rPr>
               <a:t>L</a:t>
             </a:r>
             <a:r>
-              <a:rPr lang="en-CH" sz="2200" baseline="-25000" dirty="0"/>
+              <a:rPr lang="en-CH" sz="2200" baseline="-25000" dirty="0">
+                <a:latin typeface="Times New Roman" panose="02020603050405020304" pitchFamily="18" charset="0"/>
+                <a:cs typeface="Times New Roman" panose="02020603050405020304" pitchFamily="18" charset="0"/>
+              </a:rPr>
               <a:t>curv</a:t>
             </a:r>
             <a:br>
@@ -4929,7 +4954,8 @@
             </a:r>
             <a:r>
               <a:rPr lang="en-CH" sz="2200" baseline="-25000" dirty="0">
-                <a:latin typeface="Aptos" panose="020B0004020202020204" pitchFamily="34" charset="0"/>
+                <a:latin typeface="Times New Roman" panose="02020603050405020304" pitchFamily="18" charset="0"/>
+                <a:cs typeface="Times New Roman" panose="02020603050405020304" pitchFamily="18" charset="0"/>
               </a:rPr>
               <a:t>mid</a:t>
             </a:r>
@@ -5012,14 +5038,22 @@
           <a:p>
             <a:pPr algn="ctr"/>
             <a:r>
-              <a:rPr lang="en-GB" sz="2200" dirty="0">
-                <a:latin typeface="Aptos" panose="020B0004020202020204" pitchFamily="34" charset="0"/>
+              <a:rPr lang="en-GB" sz="2200" i="1" dirty="0">
+                <a:latin typeface="Times New Roman" panose="02020603050405020304" pitchFamily="18" charset="0"/>
+                <a:cs typeface="Times New Roman" panose="02020603050405020304" pitchFamily="18" charset="0"/>
               </a:rPr>
               <a:t>L</a:t>
             </a:r>
             <a:r>
+              <a:rPr lang="en-CH" sz="2200" baseline="-25000" dirty="0">
+                <a:latin typeface="Times New Roman" panose="02020603050405020304" pitchFamily="18" charset="0"/>
+                <a:cs typeface="Times New Roman" panose="02020603050405020304" pitchFamily="18" charset="0"/>
+              </a:rPr>
+              <a:t>straight</a:t>
+            </a:r>
+            <a:r>
               <a:rPr lang="en-CH" sz="2200" baseline="-25000" dirty="0"/>
-              <a:t>straight </a:t>
+              <a:t> </a:t>
             </a:r>
             <a:r>
               <a:rPr lang="en-GB" sz="2200" dirty="0">

--- a/docs/physics_manual/figures/rbend.pptx
+++ b/docs/physics_manual/figures/rbend.pptx
@@ -3969,7 +3969,7 @@
         <p:spPr>
           <a:xfrm>
             <a:off x="4305608" y="2718575"/>
-            <a:ext cx="458780" cy="769441"/>
+            <a:ext cx="474810" cy="769441"/>
           </a:xfrm>
           <a:prstGeom prst="rect">
             <a:avLst/>
@@ -3983,8 +3983,9 @@
           <a:lstStyle/>
           <a:p>
             <a:r>
-              <a:rPr lang="en-GB" sz="2200" dirty="0">
-                <a:latin typeface="Aptos" panose="020B0004020202020204" pitchFamily="34" charset="0"/>
+              <a:rPr lang="en-GB" sz="2200" i="1" dirty="0">
+                <a:latin typeface="Times New Roman" panose="02020603050405020304" pitchFamily="18" charset="0"/>
+                <a:cs typeface="Times New Roman" panose="02020603050405020304" pitchFamily="18" charset="0"/>
               </a:rPr>
               <a:t>x</a:t>
             </a:r>
@@ -5057,7 +5058,8 @@
             </a:r>
             <a:r>
               <a:rPr lang="en-GB" sz="2200" dirty="0">
-                <a:latin typeface="Aptos" panose="020B0004020202020204" pitchFamily="34" charset="0"/>
+                <a:latin typeface="Times New Roman" panose="02020603050405020304" pitchFamily="18" charset="0"/>
+                <a:cs typeface="Times New Roman" panose="02020603050405020304" pitchFamily="18" charset="0"/>
               </a:rPr>
               <a:t>/ 2</a:t>
             </a:r>

--- a/docs/physics_manual/figures/rbend.pptx
+++ b/docs/physics_manual/figures/rbend.pptx
@@ -262,7 +262,7 @@
           <a:p>
             <a:fld id="{00DEA8EF-A3CE-1D43-B4B4-5E0263BDACDF}" type="datetimeFigureOut">
               <a:rPr lang="en-CH" smtClean="0"/>
-              <a:t>23.12.2025</a:t>
+              <a:t>24.12.2025</a:t>
             </a:fld>
             <a:endParaRPr lang="en-CH"/>
           </a:p>
@@ -462,7 +462,7 @@
           <a:p>
             <a:fld id="{00DEA8EF-A3CE-1D43-B4B4-5E0263BDACDF}" type="datetimeFigureOut">
               <a:rPr lang="en-CH" smtClean="0"/>
-              <a:t>23.12.2025</a:t>
+              <a:t>24.12.2025</a:t>
             </a:fld>
             <a:endParaRPr lang="en-CH"/>
           </a:p>
@@ -672,7 +672,7 @@
           <a:p>
             <a:fld id="{00DEA8EF-A3CE-1D43-B4B4-5E0263BDACDF}" type="datetimeFigureOut">
               <a:rPr lang="en-CH" smtClean="0"/>
-              <a:t>23.12.2025</a:t>
+              <a:t>24.12.2025</a:t>
             </a:fld>
             <a:endParaRPr lang="en-CH"/>
           </a:p>
@@ -872,7 +872,7 @@
           <a:p>
             <a:fld id="{00DEA8EF-A3CE-1D43-B4B4-5E0263BDACDF}" type="datetimeFigureOut">
               <a:rPr lang="en-CH" smtClean="0"/>
-              <a:t>23.12.2025</a:t>
+              <a:t>24.12.2025</a:t>
             </a:fld>
             <a:endParaRPr lang="en-CH"/>
           </a:p>
@@ -1148,7 +1148,7 @@
           <a:p>
             <a:fld id="{00DEA8EF-A3CE-1D43-B4B4-5E0263BDACDF}" type="datetimeFigureOut">
               <a:rPr lang="en-CH" smtClean="0"/>
-              <a:t>23.12.2025</a:t>
+              <a:t>24.12.2025</a:t>
             </a:fld>
             <a:endParaRPr lang="en-CH"/>
           </a:p>
@@ -1416,7 +1416,7 @@
           <a:p>
             <a:fld id="{00DEA8EF-A3CE-1D43-B4B4-5E0263BDACDF}" type="datetimeFigureOut">
               <a:rPr lang="en-CH" smtClean="0"/>
-              <a:t>23.12.2025</a:t>
+              <a:t>24.12.2025</a:t>
             </a:fld>
             <a:endParaRPr lang="en-CH"/>
           </a:p>
@@ -1831,7 +1831,7 @@
           <a:p>
             <a:fld id="{00DEA8EF-A3CE-1D43-B4B4-5E0263BDACDF}" type="datetimeFigureOut">
               <a:rPr lang="en-CH" smtClean="0"/>
-              <a:t>23.12.2025</a:t>
+              <a:t>24.12.2025</a:t>
             </a:fld>
             <a:endParaRPr lang="en-CH"/>
           </a:p>
@@ -1973,7 +1973,7 @@
           <a:p>
             <a:fld id="{00DEA8EF-A3CE-1D43-B4B4-5E0263BDACDF}" type="datetimeFigureOut">
               <a:rPr lang="en-CH" smtClean="0"/>
-              <a:t>23.12.2025</a:t>
+              <a:t>24.12.2025</a:t>
             </a:fld>
             <a:endParaRPr lang="en-CH"/>
           </a:p>
@@ -2086,7 +2086,7 @@
           <a:p>
             <a:fld id="{00DEA8EF-A3CE-1D43-B4B4-5E0263BDACDF}" type="datetimeFigureOut">
               <a:rPr lang="en-CH" smtClean="0"/>
-              <a:t>23.12.2025</a:t>
+              <a:t>24.12.2025</a:t>
             </a:fld>
             <a:endParaRPr lang="en-CH"/>
           </a:p>
@@ -2399,7 +2399,7 @@
           <a:p>
             <a:fld id="{00DEA8EF-A3CE-1D43-B4B4-5E0263BDACDF}" type="datetimeFigureOut">
               <a:rPr lang="en-CH" smtClean="0"/>
-              <a:t>23.12.2025</a:t>
+              <a:t>24.12.2025</a:t>
             </a:fld>
             <a:endParaRPr lang="en-CH"/>
           </a:p>
@@ -2688,7 +2688,7 @@
           <a:p>
             <a:fld id="{00DEA8EF-A3CE-1D43-B4B4-5E0263BDACDF}" type="datetimeFigureOut">
               <a:rPr lang="en-CH" smtClean="0"/>
-              <a:t>23.12.2025</a:t>
+              <a:t>24.12.2025</a:t>
             </a:fld>
             <a:endParaRPr lang="en-CH"/>
           </a:p>
@@ -2931,7 +2931,7 @@
           <a:p>
             <a:fld id="{00DEA8EF-A3CE-1D43-B4B4-5E0263BDACDF}" type="datetimeFigureOut">
               <a:rPr lang="en-CH" smtClean="0"/>
-              <a:t>23.12.2025</a:t>
+              <a:t>24.12.2025</a:t>
             </a:fld>
             <a:endParaRPr lang="en-CH"/>
           </a:p>
@@ -4172,25 +4172,81 @@
       </p:grpSpPr>
       <p:sp>
         <p:nvSpPr>
-          <p:cNvPr id="5" name="Rectangle 4">
-            <a:extLst>
-              <a:ext uri="{FF2B5EF4-FFF2-40B4-BE49-F238E27FC236}">
-                <a16:creationId xmlns:a16="http://schemas.microsoft.com/office/drawing/2014/main" id="{AAF3505C-D2E8-47E9-FF5D-6F52B3F7E760}"/>
-              </a:ext>
-            </a:extLst>
-          </p:cNvPr>
-          <p:cNvSpPr/>
+          <p:cNvPr id="18" name="TextBox 17">
+            <a:extLst>
+              <a:ext uri="{FF2B5EF4-FFF2-40B4-BE49-F238E27FC236}">
+                <a16:creationId xmlns:a16="http://schemas.microsoft.com/office/drawing/2014/main" id="{414BCF34-1EB8-31A3-BC53-2935641C1C19}"/>
+              </a:ext>
+            </a:extLst>
+          </p:cNvPr>
+          <p:cNvSpPr txBox="1"/>
           <p:nvPr/>
         </p:nvSpPr>
         <p:spPr>
           <a:xfrm>
-            <a:off x="4219460" y="771180"/>
-            <a:ext cx="4858438" cy="5001658"/>
+            <a:off x="3314763" y="2575476"/>
+            <a:ext cx="511679" cy="769441"/>
           </a:xfrm>
           <a:prstGeom prst="rect">
             <a:avLst/>
           </a:prstGeom>
           <a:noFill/>
+        </p:spPr>
+        <p:txBody>
+          <a:bodyPr wrap="none" rtlCol="0">
+            <a:spAutoFit/>
+          </a:bodyPr>
+          <a:lstStyle/>
+          <a:p>
+            <a:r>
+              <a:rPr lang="en-GB" sz="2200" dirty="0">
+                <a:latin typeface="Symbol" pitchFamily="2" charset="2"/>
+              </a:rPr>
+              <a:t>a</a:t>
+            </a:r>
+            <a:r>
+              <a:rPr lang="en-CH" sz="2200" baseline="-25000" dirty="0">
+                <a:latin typeface="Times New Roman" panose="02020603050405020304" pitchFamily="18" charset="0"/>
+                <a:cs typeface="Times New Roman" panose="02020603050405020304" pitchFamily="18" charset="0"/>
+              </a:rPr>
+              <a:t>in</a:t>
+            </a:r>
+            <a:br>
+              <a:rPr lang="en-CH" sz="2200" dirty="0"/>
+            </a:br>
+            <a:endParaRPr lang="en-CH" sz="2200" dirty="0"/>
+          </a:p>
+        </p:txBody>
+      </p:sp>
+      <p:sp>
+        <p:nvSpPr>
+          <p:cNvPr id="5" name="Rectangle 4">
+            <a:extLst>
+              <a:ext uri="{FF2B5EF4-FFF2-40B4-BE49-F238E27FC236}">
+                <a16:creationId xmlns:a16="http://schemas.microsoft.com/office/drawing/2014/main" id="{AAF3505C-D2E8-47E9-FF5D-6F52B3F7E760}"/>
+              </a:ext>
+            </a:extLst>
+          </p:cNvPr>
+          <p:cNvSpPr/>
+          <p:nvPr/>
+        </p:nvSpPr>
+        <p:spPr>
+          <a:xfrm>
+            <a:off x="4219460" y="771180"/>
+            <a:ext cx="4858438" cy="5001658"/>
+          </a:xfrm>
+          <a:prstGeom prst="rect">
+            <a:avLst/>
+          </a:prstGeom>
+          <a:noFill/>
+          <a:ln>
+            <a:solidFill>
+              <a:schemeClr val="bg1">
+                <a:lumMod val="50000"/>
+              </a:schemeClr>
+            </a:solidFill>
+            <a:prstDash val="dash"/>
+          </a:ln>
         </p:spPr>
         <p:style>
           <a:lnRef idx="2">
@@ -4226,18 +4282,25 @@
               </a:ext>
             </a:extLst>
           </p:cNvPr>
-          <p:cNvCxnSpPr/>
+          <p:cNvCxnSpPr>
+            <a:cxnSpLocks/>
+          </p:cNvCxnSpPr>
           <p:nvPr/>
         </p:nvCxnSpPr>
         <p:spPr>
-          <a:xfrm flipV="1">
-            <a:off x="3227942" y="3238961"/>
-            <a:ext cx="7205031" cy="0"/>
+          <a:xfrm>
+            <a:off x="2932126" y="3238961"/>
+            <a:ext cx="7500847" cy="0"/>
           </a:xfrm>
           <a:prstGeom prst="line">
             <a:avLst/>
           </a:prstGeom>
           <a:ln w="19050">
+            <a:solidFill>
+              <a:schemeClr val="bg1">
+                <a:lumMod val="50000"/>
+              </a:schemeClr>
+            </a:solidFill>
             <a:prstDash val="dash"/>
           </a:ln>
         </p:spPr>
@@ -4279,6 +4342,11 @@
               <a:gd name="adj2" fmla="val 18315030"/>
             </a:avLst>
           </a:prstGeom>
+          <a:ln>
+            <a:solidFill>
+              <a:srgbClr val="FF0000"/>
+            </a:solidFill>
+          </a:ln>
         </p:spPr>
         <p:style>
           <a:lnRef idx="2">
@@ -4314,13 +4382,14 @@
           </p:cNvPr>
           <p:cNvCxnSpPr>
             <a:cxnSpLocks/>
+            <a:stCxn id="8" idx="0"/>
           </p:cNvCxnSpPr>
           <p:nvPr/>
         </p:nvCxnSpPr>
         <p:spPr>
           <a:xfrm flipH="1">
-            <a:off x="3349128" y="1520328"/>
-            <a:ext cx="1677001" cy="2037646"/>
+            <a:off x="3349128" y="2473091"/>
+            <a:ext cx="895493" cy="1084883"/>
           </a:xfrm>
           <a:prstGeom prst="line">
             <a:avLst/>
@@ -4328,13 +4397,13 @@
         </p:spPr>
         <p:style>
           <a:lnRef idx="2">
-            <a:schemeClr val="accent1"/>
+            <a:schemeClr val="dk1"/>
           </a:lnRef>
           <a:fillRef idx="0">
-            <a:schemeClr val="accent1"/>
+            <a:schemeClr val="dk1"/>
           </a:fillRef>
           <a:effectRef idx="1">
-            <a:schemeClr val="accent1"/>
+            <a:schemeClr val="dk1"/>
           </a:effectRef>
           <a:fontRef idx="minor">
             <a:schemeClr val="tx1"/>
@@ -4357,13 +4426,18 @@
         </p:nvCxnSpPr>
         <p:spPr>
           <a:xfrm>
-            <a:off x="3602516" y="2498995"/>
-            <a:ext cx="1277956" cy="0"/>
+            <a:off x="2917012" y="2498995"/>
+            <a:ext cx="1963460" cy="0"/>
           </a:xfrm>
           <a:prstGeom prst="line">
             <a:avLst/>
           </a:prstGeom>
           <a:ln w="19050">
+            <a:solidFill>
+              <a:schemeClr val="bg1">
+                <a:lumMod val="50000"/>
+              </a:schemeClr>
+            </a:solidFill>
             <a:prstDash val="dash"/>
           </a:ln>
         </p:spPr>
@@ -4382,54 +4456,6 @@
           </a:fontRef>
         </p:style>
       </p:cxnSp>
-      <p:sp>
-        <p:nvSpPr>
-          <p:cNvPr id="18" name="TextBox 17">
-            <a:extLst>
-              <a:ext uri="{FF2B5EF4-FFF2-40B4-BE49-F238E27FC236}">
-                <a16:creationId xmlns:a16="http://schemas.microsoft.com/office/drawing/2014/main" id="{414BCF34-1EB8-31A3-BC53-2935641C1C19}"/>
-              </a:ext>
-            </a:extLst>
-          </p:cNvPr>
-          <p:cNvSpPr txBox="1"/>
-          <p:nvPr/>
-        </p:nvSpPr>
-        <p:spPr>
-          <a:xfrm>
-            <a:off x="4453833" y="2052608"/>
-            <a:ext cx="511679" cy="769441"/>
-          </a:xfrm>
-          <a:prstGeom prst="rect">
-            <a:avLst/>
-          </a:prstGeom>
-          <a:noFill/>
-        </p:spPr>
-        <p:txBody>
-          <a:bodyPr wrap="none" rtlCol="0">
-            <a:spAutoFit/>
-          </a:bodyPr>
-          <a:lstStyle/>
-          <a:p>
-            <a:r>
-              <a:rPr lang="en-GB" sz="2200" dirty="0">
-                <a:latin typeface="Symbol" pitchFamily="2" charset="2"/>
-              </a:rPr>
-              <a:t>a</a:t>
-            </a:r>
-            <a:r>
-              <a:rPr lang="en-CH" sz="2200" baseline="-25000" dirty="0">
-                <a:latin typeface="Times New Roman" panose="02020603050405020304" pitchFamily="18" charset="0"/>
-                <a:cs typeface="Times New Roman" panose="02020603050405020304" pitchFamily="18" charset="0"/>
-              </a:rPr>
-              <a:t>in</a:t>
-            </a:r>
-            <a:br>
-              <a:rPr lang="en-CH" sz="2200" dirty="0"/>
-            </a:br>
-            <a:endParaRPr lang="en-CH" sz="2200" dirty="0"/>
-          </a:p>
-        </p:txBody>
-      </p:sp>
       <p:cxnSp>
         <p:nvCxnSpPr>
           <p:cNvPr id="19" name="Straight Connector 18">
@@ -4441,13 +4467,14 @@
           </p:cNvPr>
           <p:cNvCxnSpPr>
             <a:cxnSpLocks/>
+            <a:stCxn id="8" idx="2"/>
           </p:cNvCxnSpPr>
           <p:nvPr/>
         </p:nvCxnSpPr>
         <p:spPr>
           <a:xfrm>
-            <a:off x="7972582" y="991518"/>
-            <a:ext cx="2255651" cy="1538740"/>
+            <a:off x="9064042" y="1734605"/>
+            <a:ext cx="1164191" cy="795653"/>
           </a:xfrm>
           <a:prstGeom prst="line">
             <a:avLst/>
@@ -4455,13 +4482,13 @@
         </p:spPr>
         <p:style>
           <a:lnRef idx="2">
-            <a:schemeClr val="accent1"/>
+            <a:schemeClr val="dk1"/>
           </a:lnRef>
           <a:fillRef idx="0">
-            <a:schemeClr val="accent1"/>
+            <a:schemeClr val="dk1"/>
           </a:fillRef>
           <a:effectRef idx="1">
-            <a:schemeClr val="accent1"/>
+            <a:schemeClr val="dk1"/>
           </a:effectRef>
           <a:fontRef idx="minor">
             <a:schemeClr val="tx1"/>
@@ -4485,12 +4512,17 @@
         <p:spPr>
           <a:xfrm>
             <a:off x="8382000" y="1736995"/>
-            <a:ext cx="1277956" cy="0"/>
+            <a:ext cx="2106058" cy="0"/>
           </a:xfrm>
           <a:prstGeom prst="line">
             <a:avLst/>
           </a:prstGeom>
           <a:ln w="19050">
+            <a:solidFill>
+              <a:schemeClr val="bg1">
+                <a:lumMod val="50000"/>
+              </a:schemeClr>
+            </a:solidFill>
             <a:prstDash val="dash"/>
           </a:ln>
         </p:spPr>
@@ -4523,7 +4555,7 @@
         </p:nvSpPr>
         <p:spPr>
           <a:xfrm>
-            <a:off x="8147629" y="1303134"/>
+            <a:off x="9634906" y="1721774"/>
             <a:ext cx="604653" cy="769441"/>
           </a:xfrm>
           <a:prstGeom prst="rect">
@@ -4566,12 +4598,14 @@
               </a:ext>
             </a:extLst>
           </p:cNvPr>
-          <p:cNvCxnSpPr/>
+          <p:cNvCxnSpPr>
+            <a:cxnSpLocks/>
+          </p:cNvCxnSpPr>
           <p:nvPr/>
         </p:nvCxnSpPr>
         <p:spPr>
           <a:xfrm flipV="1">
-            <a:off x="4321630" y="2566930"/>
+            <a:off x="3033841" y="2555913"/>
             <a:ext cx="0" cy="605928"/>
           </a:xfrm>
           <a:prstGeom prst="straightConnector1">
@@ -4612,7 +4646,7 @@
         </p:nvCxnSpPr>
         <p:spPr>
           <a:xfrm flipV="1">
-            <a:off x="8975402" y="1795749"/>
+            <a:off x="10374544" y="1795749"/>
             <a:ext cx="0" cy="1364256"/>
           </a:xfrm>
           <a:prstGeom prst="straightConnector1">
@@ -4651,7 +4685,7 @@
         </p:nvSpPr>
         <p:spPr>
           <a:xfrm>
-            <a:off x="4305608" y="2668471"/>
+            <a:off x="2588161" y="2591353"/>
             <a:ext cx="473206" cy="769441"/>
           </a:xfrm>
           <a:prstGeom prst="rect">
@@ -4660,7 +4694,7 @@
           <a:noFill/>
         </p:spPr>
         <p:txBody>
-          <a:bodyPr wrap="none" rtlCol="0">
+          <a:bodyPr wrap="square" rtlCol="0">
             <a:spAutoFit/>
           </a:bodyPr>
           <a:lstStyle/>
@@ -4700,7 +4734,7 @@
         </p:nvSpPr>
         <p:spPr>
           <a:xfrm>
-            <a:off x="8420308" y="2207095"/>
+            <a:off x="10414361" y="2218113"/>
             <a:ext cx="567849" cy="769441"/>
           </a:xfrm>
           <a:prstGeom prst="rect">
@@ -4759,6 +4793,9 @@
             <a:avLst/>
           </a:prstGeom>
           <a:ln w="22225">
+            <a:solidFill>
+              <a:schemeClr val="tx1"/>
+            </a:solidFill>
             <a:headEnd type="stealth" w="lg" len="lg"/>
             <a:tailEnd type="stealth" w="lg" len="lg"/>
           </a:ln>
@@ -4842,8 +4879,8 @@
         </p:nvSpPr>
         <p:spPr>
           <a:xfrm>
-            <a:off x="3609583" y="768689"/>
-            <a:ext cx="4647157" cy="769441"/>
+            <a:off x="5293360" y="870289"/>
+            <a:ext cx="680720" cy="769441"/>
           </a:xfrm>
           <a:prstGeom prst="rect">
             <a:avLst/>
@@ -4859,6 +4896,9 @@
             <a:pPr algn="ctr"/>
             <a:r>
               <a:rPr lang="en-GB" sz="2200" i="1" dirty="0">
+                <a:solidFill>
+                  <a:srgbClr val="FF0000"/>
+                </a:solidFill>
                 <a:latin typeface="Times New Roman" panose="02020603050405020304" pitchFamily="18" charset="0"/>
                 <a:cs typeface="Times New Roman" panose="02020603050405020304" pitchFamily="18" charset="0"/>
               </a:rPr>
@@ -4866,6 +4906,9 @@
             </a:r>
             <a:r>
               <a:rPr lang="en-CH" sz="2200" baseline="-25000" dirty="0">
+                <a:solidFill>
+                  <a:srgbClr val="FF0000"/>
+                </a:solidFill>
                 <a:latin typeface="Times New Roman" panose="02020603050405020304" pitchFamily="18" charset="0"/>
                 <a:cs typeface="Times New Roman" panose="02020603050405020304" pitchFamily="18" charset="0"/>
               </a:rPr>
@@ -4901,6 +4944,9 @@
             <a:avLst/>
           </a:prstGeom>
           <a:ln w="22225">
+            <a:solidFill>
+              <a:schemeClr val="tx1"/>
+            </a:solidFill>
             <a:tailEnd type="stealth" w="lg" len="lg"/>
           </a:ln>
         </p:spPr>
@@ -4948,8 +4994,9 @@
           <a:lstStyle/>
           <a:p>
             <a:r>
-              <a:rPr lang="en-GB" sz="2200" dirty="0">
-                <a:latin typeface="Aptos" panose="020B0004020202020204" pitchFamily="34" charset="0"/>
+              <a:rPr lang="en-GB" sz="2200" i="1" dirty="0">
+                <a:latin typeface="Times New Roman" panose="02020603050405020304" pitchFamily="18" charset="0"/>
+                <a:cs typeface="Times New Roman" panose="02020603050405020304" pitchFamily="18" charset="0"/>
               </a:rPr>
               <a:t>x</a:t>
             </a:r>
@@ -4990,6 +5037,9 @@
             <a:avLst/>
           </a:prstGeom>
           <a:ln w="22225">
+            <a:solidFill>
+              <a:schemeClr val="tx1"/>
+            </a:solidFill>
             <a:headEnd type="stealth" w="lg" len="lg"/>
             <a:tailEnd type="stealth" w="lg" len="lg"/>
           </a:ln>
@@ -5067,6 +5117,168 @@
               <a:rPr lang="en-CH" sz="2200" dirty="0"/>
             </a:br>
             <a:endParaRPr lang="en-CH" sz="2200" dirty="0"/>
+          </a:p>
+        </p:txBody>
+      </p:sp>
+      <p:sp>
+        <p:nvSpPr>
+          <p:cNvPr id="9" name="Trapezium 8">
+            <a:extLst>
+              <a:ext uri="{FF2B5EF4-FFF2-40B4-BE49-F238E27FC236}">
+                <a16:creationId xmlns:a16="http://schemas.microsoft.com/office/drawing/2014/main" id="{A266B1D5-6D75-ACC0-13BD-DE19ECCEBAE8}"/>
+              </a:ext>
+            </a:extLst>
+          </p:cNvPr>
+          <p:cNvSpPr/>
+          <p:nvPr/>
+        </p:nvSpPr>
+        <p:spPr>
+          <a:xfrm>
+            <a:off x="3591500" y="771180"/>
+            <a:ext cx="6081310" cy="4990641"/>
+          </a:xfrm>
+          <a:prstGeom prst="trapezoid">
+            <a:avLst>
+              <a:gd name="adj" fmla="val 25026"/>
+            </a:avLst>
+          </a:prstGeom>
+          <a:noFill/>
+          <a:ln w="28575">
+            <a:solidFill>
+              <a:srgbClr val="0432FF"/>
+            </a:solidFill>
+          </a:ln>
+        </p:spPr>
+        <p:style>
+          <a:lnRef idx="2">
+            <a:schemeClr val="accent1">
+              <a:shade val="15000"/>
+            </a:schemeClr>
+          </a:lnRef>
+          <a:fillRef idx="1">
+            <a:schemeClr val="accent1"/>
+          </a:fillRef>
+          <a:effectRef idx="0">
+            <a:schemeClr val="accent1"/>
+          </a:effectRef>
+          <a:fontRef idx="minor">
+            <a:schemeClr val="lt1"/>
+          </a:fontRef>
+        </p:style>
+        <p:txBody>
+          <a:bodyPr rtlCol="0" anchor="ctr"/>
+          <a:lstStyle/>
+          <a:p>
+            <a:pPr algn="ctr"/>
+            <a:endParaRPr lang="en-CH"/>
+          </a:p>
+        </p:txBody>
+      </p:sp>
+      <p:sp>
+        <p:nvSpPr>
+          <p:cNvPr id="17" name="Arc 16">
+            <a:extLst>
+              <a:ext uri="{FF2B5EF4-FFF2-40B4-BE49-F238E27FC236}">
+                <a16:creationId xmlns:a16="http://schemas.microsoft.com/office/drawing/2014/main" id="{E38F848F-4EC2-E18E-D433-A2D70C91D143}"/>
+              </a:ext>
+            </a:extLst>
+          </p:cNvPr>
+          <p:cNvSpPr/>
+          <p:nvPr/>
+        </p:nvSpPr>
+        <p:spPr>
+          <a:xfrm>
+            <a:off x="8541317" y="1197545"/>
+            <a:ext cx="1080000" cy="1080000"/>
+          </a:xfrm>
+          <a:prstGeom prst="arc">
+            <a:avLst>
+              <a:gd name="adj1" fmla="val 276267"/>
+              <a:gd name="adj2" fmla="val 1894899"/>
+            </a:avLst>
+          </a:prstGeom>
+          <a:ln>
+            <a:solidFill>
+              <a:schemeClr val="tx1"/>
+            </a:solidFill>
+            <a:headEnd type="none" w="lg" len="lg"/>
+            <a:tailEnd type="stealth" w="lg" len="lg"/>
+          </a:ln>
+        </p:spPr>
+        <p:style>
+          <a:lnRef idx="2">
+            <a:schemeClr val="accent1"/>
+          </a:lnRef>
+          <a:fillRef idx="0">
+            <a:schemeClr val="accent1"/>
+          </a:fillRef>
+          <a:effectRef idx="1">
+            <a:schemeClr val="accent1"/>
+          </a:effectRef>
+          <a:fontRef idx="minor">
+            <a:schemeClr val="tx1"/>
+          </a:fontRef>
+        </p:style>
+        <p:txBody>
+          <a:bodyPr rtlCol="0" anchor="ctr"/>
+          <a:lstStyle/>
+          <a:p>
+            <a:pPr algn="ctr"/>
+            <a:endParaRPr lang="en-CH"/>
+          </a:p>
+        </p:txBody>
+      </p:sp>
+      <p:sp>
+        <p:nvSpPr>
+          <p:cNvPr id="30" name="Arc 29">
+            <a:extLst>
+              <a:ext uri="{FF2B5EF4-FFF2-40B4-BE49-F238E27FC236}">
+                <a16:creationId xmlns:a16="http://schemas.microsoft.com/office/drawing/2014/main" id="{28E31083-19AB-0E7C-225A-E50BA8491CB1}"/>
+              </a:ext>
+            </a:extLst>
+          </p:cNvPr>
+          <p:cNvSpPr/>
+          <p:nvPr/>
+        </p:nvSpPr>
+        <p:spPr>
+          <a:xfrm>
+            <a:off x="3679927" y="1956118"/>
+            <a:ext cx="1080000" cy="1080000"/>
+          </a:xfrm>
+          <a:prstGeom prst="arc">
+            <a:avLst>
+              <a:gd name="adj1" fmla="val 7993931"/>
+              <a:gd name="adj2" fmla="val 10537951"/>
+            </a:avLst>
+          </a:prstGeom>
+          <a:ln>
+            <a:solidFill>
+              <a:schemeClr val="tx1"/>
+            </a:solidFill>
+            <a:headEnd type="none" w="lg" len="lg"/>
+            <a:tailEnd type="stealth" w="lg" len="lg"/>
+          </a:ln>
+        </p:spPr>
+        <p:style>
+          <a:lnRef idx="2">
+            <a:schemeClr val="accent1"/>
+          </a:lnRef>
+          <a:fillRef idx="0">
+            <a:schemeClr val="accent1"/>
+          </a:fillRef>
+          <a:effectRef idx="1">
+            <a:schemeClr val="accent1"/>
+          </a:effectRef>
+          <a:fontRef idx="minor">
+            <a:schemeClr val="tx1"/>
+          </a:fontRef>
+        </p:style>
+        <p:txBody>
+          <a:bodyPr rtlCol="0" anchor="ctr"/>
+          <a:lstStyle/>
+          <a:p>
+            <a:pPr algn="ctr"/>
+            <a:endParaRPr lang="en-CH"/>
           </a:p>
         </p:txBody>
       </p:sp>

--- a/docs/physics_manual/figures/rbend.pptx
+++ b/docs/physics_manual/figures/rbend.pptx
@@ -4611,19 +4611,19 @@
           <a:prstGeom prst="straightConnector1">
             <a:avLst/>
           </a:prstGeom>
-          <a:ln w="22225">
+          <a:ln w="19050">
             <a:tailEnd type="stealth" w="lg" len="lg"/>
           </a:ln>
         </p:spPr>
         <p:style>
-          <a:lnRef idx="2">
-            <a:schemeClr val="accent1"/>
+          <a:lnRef idx="1">
+            <a:schemeClr val="dk1"/>
           </a:lnRef>
           <a:fillRef idx="0">
-            <a:schemeClr val="accent1"/>
+            <a:schemeClr val="dk1"/>
           </a:fillRef>
-          <a:effectRef idx="1">
-            <a:schemeClr val="accent1"/>
+          <a:effectRef idx="0">
+            <a:schemeClr val="dk1"/>
           </a:effectRef>
           <a:fontRef idx="minor">
             <a:schemeClr val="tx1"/>
@@ -4652,19 +4652,19 @@
           <a:prstGeom prst="straightConnector1">
             <a:avLst/>
           </a:prstGeom>
-          <a:ln w="22225">
+          <a:ln w="19050">
             <a:tailEnd type="stealth" w="lg" len="lg"/>
           </a:ln>
         </p:spPr>
         <p:style>
-          <a:lnRef idx="2">
-            <a:schemeClr val="accent1"/>
+          <a:lnRef idx="1">
+            <a:schemeClr val="dk1"/>
           </a:lnRef>
           <a:fillRef idx="0">
-            <a:schemeClr val="accent1"/>
+            <a:schemeClr val="dk1"/>
           </a:fillRef>
-          <a:effectRef idx="1">
-            <a:schemeClr val="accent1"/>
+          <a:effectRef idx="0">
+            <a:schemeClr val="dk1"/>
           </a:effectRef>
           <a:fontRef idx="minor">
             <a:schemeClr val="tx1"/>
@@ -4792,7 +4792,7 @@
           <a:prstGeom prst="straightConnector1">
             <a:avLst/>
           </a:prstGeom>
-          <a:ln w="22225">
+          <a:ln w="19050">
             <a:solidFill>
               <a:schemeClr val="tx1"/>
             </a:solidFill>
@@ -4943,7 +4943,7 @@
           <a:prstGeom prst="straightConnector1">
             <a:avLst/>
           </a:prstGeom>
-          <a:ln w="22225">
+          <a:ln w="19050">
             <a:solidFill>
               <a:schemeClr val="tx1"/>
             </a:solidFill>
@@ -5036,7 +5036,7 @@
           <a:prstGeom prst="straightConnector1">
             <a:avLst/>
           </a:prstGeom>
-          <a:ln w="22225">
+          <a:ln w="19050">
             <a:solidFill>
               <a:schemeClr val="tx1"/>
             </a:solidFill>
@@ -5201,8 +5201,8 @@
             <a:solidFill>
               <a:schemeClr val="tx1"/>
             </a:solidFill>
-            <a:headEnd type="none" w="lg" len="lg"/>
-            <a:tailEnd type="stealth" w="lg" len="lg"/>
+            <a:headEnd type="stealth" w="lg" len="lg"/>
+            <a:tailEnd type="none" w="lg" len="lg"/>
           </a:ln>
         </p:spPr>
         <p:style>

--- a/docs/physics_manual/figures/rbend.pptx
+++ b/docs/physics_manual/figures/rbend.pptx
@@ -4233,7 +4233,7 @@
         <p:spPr>
           <a:xfrm>
             <a:off x="4219460" y="771180"/>
-            <a:ext cx="4858438" cy="5001658"/>
+            <a:ext cx="4858438" cy="4989540"/>
           </a:xfrm>
           <a:prstGeom prst="rect">
             <a:avLst/>
@@ -4427,7 +4427,7 @@
         <p:spPr>
           <a:xfrm>
             <a:off x="2917012" y="2498995"/>
-            <a:ext cx="1963460" cy="0"/>
+            <a:ext cx="1312088" cy="0"/>
           </a:xfrm>
           <a:prstGeom prst="line">
             <a:avLst/>
@@ -4511,8 +4511,8 @@
         </p:nvCxnSpPr>
         <p:spPr>
           <a:xfrm>
-            <a:off x="8382000" y="1736995"/>
-            <a:ext cx="2106058" cy="0"/>
+            <a:off x="9086850" y="1736995"/>
+            <a:ext cx="1401208" cy="0"/>
           </a:xfrm>
           <a:prstGeom prst="line">
             <a:avLst/>
@@ -5279,6 +5279,214 @@
           <a:p>
             <a:pPr algn="ctr"/>
             <a:endParaRPr lang="en-CH"/>
+          </a:p>
+        </p:txBody>
+      </p:sp>
+      <p:sp>
+        <p:nvSpPr>
+          <p:cNvPr id="36" name="Arc 35">
+            <a:extLst>
+              <a:ext uri="{FF2B5EF4-FFF2-40B4-BE49-F238E27FC236}">
+                <a16:creationId xmlns:a16="http://schemas.microsoft.com/office/drawing/2014/main" id="{31940796-CB2E-0888-BD9A-4C7BF4E7FA37}"/>
+              </a:ext>
+            </a:extLst>
+          </p:cNvPr>
+          <p:cNvSpPr/>
+          <p:nvPr/>
+        </p:nvSpPr>
+        <p:spPr>
+          <a:xfrm>
+            <a:off x="7813607" y="1990025"/>
+            <a:ext cx="2520000" cy="2520000"/>
+          </a:xfrm>
+          <a:prstGeom prst="arc">
+            <a:avLst>
+              <a:gd name="adj1" fmla="val 4666227"/>
+              <a:gd name="adj2" fmla="val 5347227"/>
+            </a:avLst>
+          </a:prstGeom>
+          <a:ln>
+            <a:solidFill>
+              <a:schemeClr val="tx1"/>
+            </a:solidFill>
+            <a:headEnd type="stealth" w="lg" len="lg"/>
+            <a:tailEnd type="none" w="lg" len="lg"/>
+          </a:ln>
+        </p:spPr>
+        <p:style>
+          <a:lnRef idx="2">
+            <a:schemeClr val="accent1"/>
+          </a:lnRef>
+          <a:fillRef idx="0">
+            <a:schemeClr val="accent1"/>
+          </a:fillRef>
+          <a:effectRef idx="1">
+            <a:schemeClr val="accent1"/>
+          </a:effectRef>
+          <a:fontRef idx="minor">
+            <a:schemeClr val="tx1"/>
+          </a:fontRef>
+        </p:style>
+        <p:txBody>
+          <a:bodyPr rtlCol="0" anchor="ctr"/>
+          <a:lstStyle/>
+          <a:p>
+            <a:pPr algn="ctr"/>
+            <a:endParaRPr lang="en-CH"/>
+          </a:p>
+        </p:txBody>
+      </p:sp>
+      <p:sp>
+        <p:nvSpPr>
+          <p:cNvPr id="37" name="TextBox 36">
+            <a:extLst>
+              <a:ext uri="{FF2B5EF4-FFF2-40B4-BE49-F238E27FC236}">
+                <a16:creationId xmlns:a16="http://schemas.microsoft.com/office/drawing/2014/main" id="{791222F5-3844-CEBE-7A48-54741B1A2DB8}"/>
+              </a:ext>
+            </a:extLst>
+          </p:cNvPr>
+          <p:cNvSpPr txBox="1"/>
+          <p:nvPr/>
+        </p:nvSpPr>
+        <p:spPr>
+          <a:xfrm>
+            <a:off x="9332321" y="4153593"/>
+            <a:ext cx="567849" cy="769441"/>
+          </a:xfrm>
+          <a:prstGeom prst="rect">
+            <a:avLst/>
+          </a:prstGeom>
+          <a:noFill/>
+        </p:spPr>
+        <p:txBody>
+          <a:bodyPr wrap="none" rtlCol="0">
+            <a:spAutoFit/>
+          </a:bodyPr>
+          <a:lstStyle/>
+          <a:p>
+            <a:pPr algn="r"/>
+            <a:r>
+              <a:rPr lang="en-GB" sz="2200" i="1" dirty="0">
+                <a:latin typeface="Times New Roman" panose="02020603050405020304" pitchFamily="18" charset="0"/>
+                <a:cs typeface="Times New Roman" panose="02020603050405020304" pitchFamily="18" charset="0"/>
+              </a:rPr>
+              <a:t>e</a:t>
+            </a:r>
+            <a:r>
+              <a:rPr lang="en-CH" sz="2200" baseline="-25000" dirty="0">
+                <a:latin typeface="Times New Roman" panose="02020603050405020304" pitchFamily="18" charset="0"/>
+                <a:cs typeface="Times New Roman" panose="02020603050405020304" pitchFamily="18" charset="0"/>
+              </a:rPr>
+              <a:t>out</a:t>
+            </a:r>
+            <a:br>
+              <a:rPr lang="en-CH" sz="2200" dirty="0"/>
+            </a:br>
+            <a:endParaRPr lang="en-CH" sz="2200" dirty="0"/>
+          </a:p>
+        </p:txBody>
+      </p:sp>
+      <p:sp>
+        <p:nvSpPr>
+          <p:cNvPr id="39" name="Arc 38">
+            <a:extLst>
+              <a:ext uri="{FF2B5EF4-FFF2-40B4-BE49-F238E27FC236}">
+                <a16:creationId xmlns:a16="http://schemas.microsoft.com/office/drawing/2014/main" id="{D792D3CB-5CD7-54E9-884B-503067D25144}"/>
+              </a:ext>
+            </a:extLst>
+          </p:cNvPr>
+          <p:cNvSpPr/>
+          <p:nvPr/>
+        </p:nvSpPr>
+        <p:spPr>
+          <a:xfrm flipH="1">
+            <a:off x="2948237" y="1982405"/>
+            <a:ext cx="2520000" cy="2520000"/>
+          </a:xfrm>
+          <a:prstGeom prst="arc">
+            <a:avLst>
+              <a:gd name="adj1" fmla="val 4666227"/>
+              <a:gd name="adj2" fmla="val 5347227"/>
+            </a:avLst>
+          </a:prstGeom>
+          <a:ln>
+            <a:solidFill>
+              <a:schemeClr val="tx1"/>
+            </a:solidFill>
+            <a:headEnd type="stealth" w="lg" len="lg"/>
+            <a:tailEnd type="none" w="lg" len="lg"/>
+          </a:ln>
+        </p:spPr>
+        <p:style>
+          <a:lnRef idx="2">
+            <a:schemeClr val="accent1"/>
+          </a:lnRef>
+          <a:fillRef idx="0">
+            <a:schemeClr val="accent1"/>
+          </a:fillRef>
+          <a:effectRef idx="1">
+            <a:schemeClr val="accent1"/>
+          </a:effectRef>
+          <a:fontRef idx="minor">
+            <a:schemeClr val="tx1"/>
+          </a:fontRef>
+        </p:style>
+        <p:txBody>
+          <a:bodyPr rtlCol="0" anchor="ctr"/>
+          <a:lstStyle/>
+          <a:p>
+            <a:pPr algn="ctr"/>
+            <a:endParaRPr lang="en-CH"/>
+          </a:p>
+        </p:txBody>
+      </p:sp>
+      <p:sp>
+        <p:nvSpPr>
+          <p:cNvPr id="40" name="TextBox 39">
+            <a:extLst>
+              <a:ext uri="{FF2B5EF4-FFF2-40B4-BE49-F238E27FC236}">
+                <a16:creationId xmlns:a16="http://schemas.microsoft.com/office/drawing/2014/main" id="{B1027902-042D-A93D-5285-A2565AB2D4BA}"/>
+              </a:ext>
+            </a:extLst>
+          </p:cNvPr>
+          <p:cNvSpPr txBox="1"/>
+          <p:nvPr/>
+        </p:nvSpPr>
+        <p:spPr>
+          <a:xfrm>
+            <a:off x="3480279" y="4153593"/>
+            <a:ext cx="457241" cy="769441"/>
+          </a:xfrm>
+          <a:prstGeom prst="rect">
+            <a:avLst/>
+          </a:prstGeom>
+          <a:noFill/>
+        </p:spPr>
+        <p:txBody>
+          <a:bodyPr wrap="none" rtlCol="0">
+            <a:spAutoFit/>
+          </a:bodyPr>
+          <a:lstStyle/>
+          <a:p>
+            <a:pPr algn="r"/>
+            <a:r>
+              <a:rPr lang="en-GB" sz="2200" i="1" dirty="0">
+                <a:latin typeface="Times New Roman" panose="02020603050405020304" pitchFamily="18" charset="0"/>
+                <a:cs typeface="Times New Roman" panose="02020603050405020304" pitchFamily="18" charset="0"/>
+              </a:rPr>
+              <a:t>e</a:t>
+            </a:r>
+            <a:r>
+              <a:rPr lang="en-CH" sz="2200" baseline="-25000" dirty="0">
+                <a:latin typeface="Times New Roman" panose="02020603050405020304" pitchFamily="18" charset="0"/>
+                <a:cs typeface="Times New Roman" panose="02020603050405020304" pitchFamily="18" charset="0"/>
+              </a:rPr>
+              <a:t>in</a:t>
+            </a:r>
+            <a:br>
+              <a:rPr lang="en-CH" sz="2200" dirty="0"/>
+            </a:br>
+            <a:endParaRPr lang="en-CH" sz="2200" dirty="0"/>
           </a:p>
         </p:txBody>
       </p:sp>
